--- a/anomaly-detection.pptx
+++ b/anomaly-detection.pptx
@@ -5,7 +5,7 @@
     <p:sldMasterId id="2147483660" r:id="rId1"/>
   </p:sldMasterIdLst>
   <p:notesMasterIdLst>
-    <p:notesMasterId r:id="rId21"/>
+    <p:notesMasterId r:id="rId22"/>
   </p:notesMasterIdLst>
   <p:sldIdLst>
     <p:sldId id="256" r:id="rId2"/>
@@ -18,15 +18,16 @@
     <p:sldId id="265" r:id="rId9"/>
     <p:sldId id="266" r:id="rId10"/>
     <p:sldId id="263" r:id="rId11"/>
-    <p:sldId id="271" r:id="rId12"/>
-    <p:sldId id="264" r:id="rId13"/>
-    <p:sldId id="272" r:id="rId14"/>
-    <p:sldId id="270" r:id="rId15"/>
-    <p:sldId id="261" r:id="rId16"/>
-    <p:sldId id="274" r:id="rId17"/>
-    <p:sldId id="268" r:id="rId18"/>
-    <p:sldId id="269" r:id="rId19"/>
-    <p:sldId id="273" r:id="rId20"/>
+    <p:sldId id="275" r:id="rId12"/>
+    <p:sldId id="271" r:id="rId13"/>
+    <p:sldId id="264" r:id="rId14"/>
+    <p:sldId id="272" r:id="rId15"/>
+    <p:sldId id="270" r:id="rId16"/>
+    <p:sldId id="261" r:id="rId17"/>
+    <p:sldId id="274" r:id="rId18"/>
+    <p:sldId id="268" r:id="rId19"/>
+    <p:sldId id="269" r:id="rId20"/>
+    <p:sldId id="273" r:id="rId21"/>
   </p:sldIdLst>
   <p:sldSz cx="9144000" cy="6858000" type="screen4x3"/>
   <p:notesSz cx="6858000" cy="9144000"/>
@@ -558,7 +559,7 @@
           <a:p>
             <a:fld id="{CBD6EB51-EB10-FC40-A641-2EC72BCC2B77}" type="slidenum">
               <a:rPr lang="en-US" smtClean="0"/>
-              <a:t>11</a:t>
+              <a:t>12</a:t>
             </a:fld>
             <a:endParaRPr lang="en-US"/>
           </a:p>
@@ -642,7 +643,7 @@
           <a:p>
             <a:fld id="{CBD6EB51-EB10-FC40-A641-2EC72BCC2B77}" type="slidenum">
               <a:rPr lang="en-US" smtClean="0"/>
-              <a:t>12</a:t>
+              <a:t>13</a:t>
             </a:fld>
             <a:endParaRPr lang="en-US"/>
           </a:p>
@@ -3904,6 +3905,664 @@
                 <a:latin typeface="Arial" panose="020B0604020202020204" pitchFamily="34" charset="0"/>
                 <a:cs typeface="Arial" panose="020B0604020202020204" pitchFamily="34" charset="0"/>
               </a:rPr>
+              <a:t>Detection methods </a:t>
+            </a:r>
+          </a:p>
+        </p:txBody>
+      </p:sp>
+      <p:sp>
+        <p:nvSpPr>
+          <p:cNvPr id="3" name="TextBox 2">
+            <a:extLst>
+              <a:ext uri="{FF2B5EF4-FFF2-40B4-BE49-F238E27FC236}">
+                <a16:creationId xmlns:a16="http://schemas.microsoft.com/office/drawing/2014/main" id="{1B849881-11E2-D74C-96DB-95AE7FC173EE}"/>
+              </a:ext>
+            </a:extLst>
+          </p:cNvPr>
+          <p:cNvSpPr txBox="1"/>
+          <p:nvPr/>
+        </p:nvSpPr>
+        <p:spPr>
+          <a:xfrm>
+            <a:off x="300251" y="1100138"/>
+            <a:ext cx="2697480" cy="514350"/>
+          </a:xfrm>
+          <a:prstGeom prst="rect">
+            <a:avLst/>
+          </a:prstGeom>
+          <a:solidFill>
+            <a:schemeClr val="accent5">
+              <a:lumMod val="75000"/>
+            </a:schemeClr>
+          </a:solidFill>
+          <a:ln>
+            <a:solidFill>
+              <a:schemeClr val="accent5">
+                <a:lumMod val="75000"/>
+              </a:schemeClr>
+            </a:solidFill>
+          </a:ln>
+        </p:spPr>
+        <p:txBody>
+          <a:bodyPr wrap="square" lIns="45720" rIns="45720" rtlCol="0" anchor="ctr">
+            <a:noAutofit/>
+          </a:bodyPr>
+          <a:lstStyle/>
+          <a:p>
+            <a:pPr algn="ctr"/>
+            <a:r>
+              <a:rPr lang="en-US" sz="2000" b="1" dirty="0">
+                <a:solidFill>
+                  <a:schemeClr val="bg1"/>
+                </a:solidFill>
+                <a:latin typeface="Arial" panose="020B0604020202020204" pitchFamily="34" charset="0"/>
+                <a:cs typeface="Arial" panose="020B0604020202020204" pitchFamily="34" charset="0"/>
+              </a:rPr>
+              <a:t>Supervised</a:t>
+            </a:r>
+          </a:p>
+        </p:txBody>
+      </p:sp>
+      <p:sp>
+        <p:nvSpPr>
+          <p:cNvPr id="6" name="TextBox 5">
+            <a:extLst>
+              <a:ext uri="{FF2B5EF4-FFF2-40B4-BE49-F238E27FC236}">
+                <a16:creationId xmlns:a16="http://schemas.microsoft.com/office/drawing/2014/main" id="{233BBA82-89AF-A44D-A430-DDB772E9C0FB}"/>
+              </a:ext>
+            </a:extLst>
+          </p:cNvPr>
+          <p:cNvSpPr txBox="1"/>
+          <p:nvPr/>
+        </p:nvSpPr>
+        <p:spPr>
+          <a:xfrm>
+            <a:off x="3207974" y="1100138"/>
+            <a:ext cx="2697480" cy="514350"/>
+          </a:xfrm>
+          <a:prstGeom prst="rect">
+            <a:avLst/>
+          </a:prstGeom>
+          <a:solidFill>
+            <a:schemeClr val="accent5">
+              <a:lumMod val="75000"/>
+            </a:schemeClr>
+          </a:solidFill>
+          <a:ln>
+            <a:solidFill>
+              <a:schemeClr val="accent5">
+                <a:lumMod val="75000"/>
+              </a:schemeClr>
+            </a:solidFill>
+          </a:ln>
+        </p:spPr>
+        <p:txBody>
+          <a:bodyPr wrap="square" lIns="45720" rIns="45720" rtlCol="0" anchor="ctr">
+            <a:noAutofit/>
+          </a:bodyPr>
+          <a:lstStyle/>
+          <a:p>
+            <a:pPr algn="ctr"/>
+            <a:r>
+              <a:rPr lang="en-US" sz="2000" b="1" dirty="0">
+                <a:solidFill>
+                  <a:schemeClr val="bg1"/>
+                </a:solidFill>
+                <a:latin typeface="Arial" panose="020B0604020202020204" pitchFamily="34" charset="0"/>
+                <a:cs typeface="Arial" panose="020B0604020202020204" pitchFamily="34" charset="0"/>
+              </a:rPr>
+              <a:t>Semi-Supervised</a:t>
+            </a:r>
+          </a:p>
+        </p:txBody>
+      </p:sp>
+      <p:sp>
+        <p:nvSpPr>
+          <p:cNvPr id="7" name="TextBox 6">
+            <a:extLst>
+              <a:ext uri="{FF2B5EF4-FFF2-40B4-BE49-F238E27FC236}">
+                <a16:creationId xmlns:a16="http://schemas.microsoft.com/office/drawing/2014/main" id="{635008DD-4529-8D42-A414-68D7A2333EFB}"/>
+              </a:ext>
+            </a:extLst>
+          </p:cNvPr>
+          <p:cNvSpPr txBox="1"/>
+          <p:nvPr/>
+        </p:nvSpPr>
+        <p:spPr>
+          <a:xfrm>
+            <a:off x="6115697" y="1100138"/>
+            <a:ext cx="2697480" cy="514350"/>
+          </a:xfrm>
+          <a:prstGeom prst="rect">
+            <a:avLst/>
+          </a:prstGeom>
+          <a:solidFill>
+            <a:schemeClr val="accent5">
+              <a:lumMod val="75000"/>
+            </a:schemeClr>
+          </a:solidFill>
+          <a:ln>
+            <a:solidFill>
+              <a:schemeClr val="accent5">
+                <a:lumMod val="75000"/>
+              </a:schemeClr>
+            </a:solidFill>
+          </a:ln>
+        </p:spPr>
+        <p:txBody>
+          <a:bodyPr wrap="square" lIns="45720" rIns="45720" rtlCol="0" anchor="ctr">
+            <a:noAutofit/>
+          </a:bodyPr>
+          <a:lstStyle/>
+          <a:p>
+            <a:pPr algn="ctr"/>
+            <a:r>
+              <a:rPr lang="en-US" sz="2000" b="1" dirty="0">
+                <a:solidFill>
+                  <a:schemeClr val="bg1"/>
+                </a:solidFill>
+                <a:latin typeface="Arial" panose="020B0604020202020204" pitchFamily="34" charset="0"/>
+                <a:cs typeface="Arial" panose="020B0604020202020204" pitchFamily="34" charset="0"/>
+              </a:rPr>
+              <a:t>Unsupervised</a:t>
+            </a:r>
+          </a:p>
+        </p:txBody>
+      </p:sp>
+      <p:sp>
+        <p:nvSpPr>
+          <p:cNvPr id="8" name="TextBox 7">
+            <a:extLst>
+              <a:ext uri="{FF2B5EF4-FFF2-40B4-BE49-F238E27FC236}">
+                <a16:creationId xmlns:a16="http://schemas.microsoft.com/office/drawing/2014/main" id="{913576CB-BBB3-394C-9ED1-77BBAADBF894}"/>
+              </a:ext>
+            </a:extLst>
+          </p:cNvPr>
+          <p:cNvSpPr txBox="1"/>
+          <p:nvPr/>
+        </p:nvSpPr>
+        <p:spPr>
+          <a:xfrm>
+            <a:off x="300251" y="1628776"/>
+            <a:ext cx="2697480" cy="4557712"/>
+          </a:xfrm>
+          <a:prstGeom prst="rect">
+            <a:avLst/>
+          </a:prstGeom>
+          <a:noFill/>
+          <a:ln>
+            <a:solidFill>
+              <a:schemeClr val="accent5">
+                <a:lumMod val="75000"/>
+              </a:schemeClr>
+            </a:solidFill>
+          </a:ln>
+        </p:spPr>
+        <p:txBody>
+          <a:bodyPr wrap="square" lIns="91440" rIns="91440" rtlCol="0">
+            <a:noAutofit/>
+          </a:bodyPr>
+          <a:lstStyle/>
+          <a:p>
+            <a:r>
+              <a:rPr lang="en-US" dirty="0">
+                <a:latin typeface="Arial" panose="020B0604020202020204" pitchFamily="34" charset="0"/>
+                <a:cs typeface="Arial" panose="020B0604020202020204" pitchFamily="34" charset="0"/>
+              </a:rPr>
+              <a:t>Labels for both normal and anomalous records are available.</a:t>
+            </a:r>
+          </a:p>
+          <a:p>
+            <a:endParaRPr lang="en-US" dirty="0">
+              <a:latin typeface="Arial" panose="020B0604020202020204" pitchFamily="34" charset="0"/>
+              <a:cs typeface="Arial" panose="020B0604020202020204" pitchFamily="34" charset="0"/>
+            </a:endParaRPr>
+          </a:p>
+          <a:p>
+            <a:r>
+              <a:rPr lang="en-US" b="1" dirty="0">
+                <a:latin typeface="Arial" panose="020B0604020202020204" pitchFamily="34" charset="0"/>
+                <a:cs typeface="Arial" panose="020B0604020202020204" pitchFamily="34" charset="0"/>
+              </a:rPr>
+              <a:t>Methods</a:t>
+            </a:r>
+          </a:p>
+          <a:p>
+            <a:pPr marL="285750" indent="-285750">
+              <a:buFont typeface="Arial" panose="020B0604020202020204" pitchFamily="34" charset="0"/>
+              <a:buChar char="•"/>
+            </a:pPr>
+            <a:r>
+              <a:rPr lang="en-US" dirty="0">
+                <a:solidFill>
+                  <a:srgbClr val="00B050"/>
+                </a:solidFill>
+                <a:latin typeface="Arial" panose="020B0604020202020204" pitchFamily="34" charset="0"/>
+                <a:cs typeface="Arial" panose="020B0604020202020204" pitchFamily="34" charset="0"/>
+              </a:rPr>
+              <a:t>Decision tree</a:t>
+            </a:r>
+          </a:p>
+          <a:p>
+            <a:pPr marL="285750" indent="-285750">
+              <a:buFont typeface="Arial" panose="020B0604020202020204" pitchFamily="34" charset="0"/>
+              <a:buChar char="•"/>
+            </a:pPr>
+            <a:r>
+              <a:rPr lang="en-US" dirty="0">
+                <a:latin typeface="Arial" panose="020B0604020202020204" pitchFamily="34" charset="0"/>
+                <a:cs typeface="Arial" panose="020B0604020202020204" pitchFamily="34" charset="0"/>
+              </a:rPr>
+              <a:t>Random forest</a:t>
+            </a:r>
+          </a:p>
+          <a:p>
+            <a:pPr marL="285750" indent="-285750">
+              <a:buFont typeface="Arial" panose="020B0604020202020204" pitchFamily="34" charset="0"/>
+              <a:buChar char="•"/>
+            </a:pPr>
+            <a:r>
+              <a:rPr lang="en-US" dirty="0">
+                <a:latin typeface="Arial" panose="020B0604020202020204" pitchFamily="34" charset="0"/>
+                <a:cs typeface="Arial" panose="020B0604020202020204" pitchFamily="34" charset="0"/>
+              </a:rPr>
+              <a:t>Neural networks</a:t>
+            </a:r>
+          </a:p>
+          <a:p>
+            <a:pPr marL="285750" indent="-285750">
+              <a:buFont typeface="Arial" panose="020B0604020202020204" pitchFamily="34" charset="0"/>
+              <a:buChar char="•"/>
+            </a:pPr>
+            <a:r>
+              <a:rPr lang="en-US" dirty="0">
+                <a:latin typeface="Arial" panose="020B0604020202020204" pitchFamily="34" charset="0"/>
+                <a:cs typeface="Arial" panose="020B0604020202020204" pitchFamily="34" charset="0"/>
+              </a:rPr>
+              <a:t>Other classification techniques</a:t>
+            </a:r>
+          </a:p>
+          <a:p>
+            <a:pPr marL="285750" indent="-285750">
+              <a:buFont typeface="Arial" panose="020B0604020202020204" pitchFamily="34" charset="0"/>
+              <a:buChar char="•"/>
+            </a:pPr>
+            <a:r>
+              <a:rPr lang="en-US" dirty="0">
+                <a:latin typeface="Arial" panose="020B0604020202020204" pitchFamily="34" charset="0"/>
+                <a:cs typeface="Arial" panose="020B0604020202020204" pitchFamily="34" charset="0"/>
+              </a:rPr>
+              <a:t>…</a:t>
+            </a:r>
+          </a:p>
+          <a:p>
+            <a:pPr marL="285750" indent="-285750">
+              <a:buFont typeface="Arial" panose="020B0604020202020204" pitchFamily="34" charset="0"/>
+              <a:buChar char="•"/>
+            </a:pPr>
+            <a:endParaRPr lang="en-US" dirty="0">
+              <a:latin typeface="Arial" panose="020B0604020202020204" pitchFamily="34" charset="0"/>
+              <a:cs typeface="Arial" panose="020B0604020202020204" pitchFamily="34" charset="0"/>
+            </a:endParaRPr>
+          </a:p>
+        </p:txBody>
+      </p:sp>
+      <p:sp>
+        <p:nvSpPr>
+          <p:cNvPr id="9" name="TextBox 8">
+            <a:extLst>
+              <a:ext uri="{FF2B5EF4-FFF2-40B4-BE49-F238E27FC236}">
+                <a16:creationId xmlns:a16="http://schemas.microsoft.com/office/drawing/2014/main" id="{2AC69BC1-133B-BB4C-9DEE-B39594E91239}"/>
+              </a:ext>
+            </a:extLst>
+          </p:cNvPr>
+          <p:cNvSpPr txBox="1"/>
+          <p:nvPr/>
+        </p:nvSpPr>
+        <p:spPr>
+          <a:xfrm>
+            <a:off x="3207974" y="1628776"/>
+            <a:ext cx="2697480" cy="4557712"/>
+          </a:xfrm>
+          <a:prstGeom prst="rect">
+            <a:avLst/>
+          </a:prstGeom>
+          <a:noFill/>
+          <a:ln>
+            <a:solidFill>
+              <a:schemeClr val="accent5">
+                <a:lumMod val="75000"/>
+              </a:schemeClr>
+            </a:solidFill>
+          </a:ln>
+        </p:spPr>
+        <p:txBody>
+          <a:bodyPr wrap="square" lIns="91440" rIns="91440" rtlCol="0">
+            <a:noAutofit/>
+          </a:bodyPr>
+          <a:lstStyle/>
+          <a:p>
+            <a:r>
+              <a:rPr lang="en-US" dirty="0">
+                <a:latin typeface="Arial" panose="020B0604020202020204" pitchFamily="34" charset="0"/>
+                <a:cs typeface="Arial" panose="020B0604020202020204" pitchFamily="34" charset="0"/>
+              </a:rPr>
+              <a:t>Only a set of normal records is available</a:t>
+            </a:r>
+          </a:p>
+          <a:p>
+            <a:endParaRPr lang="en-US" dirty="0">
+              <a:latin typeface="Arial" panose="020B0604020202020204" pitchFamily="34" charset="0"/>
+              <a:cs typeface="Arial" panose="020B0604020202020204" pitchFamily="34" charset="0"/>
+            </a:endParaRPr>
+          </a:p>
+          <a:p>
+            <a:endParaRPr lang="en-US" b="1" dirty="0">
+              <a:latin typeface="Arial" panose="020B0604020202020204" pitchFamily="34" charset="0"/>
+              <a:cs typeface="Arial" panose="020B0604020202020204" pitchFamily="34" charset="0"/>
+            </a:endParaRPr>
+          </a:p>
+          <a:p>
+            <a:r>
+              <a:rPr lang="en-US" b="1" dirty="0">
+                <a:latin typeface="Arial" panose="020B0604020202020204" pitchFamily="34" charset="0"/>
+                <a:cs typeface="Arial" panose="020B0604020202020204" pitchFamily="34" charset="0"/>
+              </a:rPr>
+              <a:t>Methods</a:t>
+            </a:r>
+            <a:endParaRPr lang="en-US" dirty="0">
+              <a:latin typeface="Arial" panose="020B0604020202020204" pitchFamily="34" charset="0"/>
+              <a:cs typeface="Arial" panose="020B0604020202020204" pitchFamily="34" charset="0"/>
+            </a:endParaRPr>
+          </a:p>
+          <a:p>
+            <a:pPr marL="285750" indent="-285750">
+              <a:buFont typeface="Arial" panose="020B0604020202020204" pitchFamily="34" charset="0"/>
+              <a:buChar char="•"/>
+            </a:pPr>
+            <a:r>
+              <a:rPr lang="en-US" dirty="0">
+                <a:latin typeface="Arial" panose="020B0604020202020204" pitchFamily="34" charset="0"/>
+                <a:cs typeface="Arial" panose="020B0604020202020204" pitchFamily="34" charset="0"/>
+              </a:rPr>
+              <a:t>One-class SVM</a:t>
+            </a:r>
+          </a:p>
+          <a:p>
+            <a:pPr marL="285750" indent="-285750">
+              <a:buFont typeface="Arial" panose="020B0604020202020204" pitchFamily="34" charset="0"/>
+              <a:buChar char="•"/>
+            </a:pPr>
+            <a:r>
+              <a:rPr lang="en-US" dirty="0">
+                <a:latin typeface="Arial" panose="020B0604020202020204" pitchFamily="34" charset="0"/>
+                <a:cs typeface="Arial" panose="020B0604020202020204" pitchFamily="34" charset="0"/>
+              </a:rPr>
+              <a:t>PU Learning</a:t>
+            </a:r>
+          </a:p>
+          <a:p>
+            <a:pPr marL="285750" indent="-285750">
+              <a:buFont typeface="Arial" panose="020B0604020202020204" pitchFamily="34" charset="0"/>
+              <a:buChar char="•"/>
+            </a:pPr>
+            <a:r>
+              <a:rPr lang="en-US" dirty="0">
+                <a:latin typeface="Arial" panose="020B0604020202020204" pitchFamily="34" charset="0"/>
+                <a:cs typeface="Arial" panose="020B0604020202020204" pitchFamily="34" charset="0"/>
+              </a:rPr>
+              <a:t>…</a:t>
+            </a:r>
+          </a:p>
+        </p:txBody>
+      </p:sp>
+      <p:sp>
+        <p:nvSpPr>
+          <p:cNvPr id="10" name="TextBox 9">
+            <a:extLst>
+              <a:ext uri="{FF2B5EF4-FFF2-40B4-BE49-F238E27FC236}">
+                <a16:creationId xmlns:a16="http://schemas.microsoft.com/office/drawing/2014/main" id="{8E4DAAF9-150E-E34E-8D8E-C272D4C75A06}"/>
+              </a:ext>
+            </a:extLst>
+          </p:cNvPr>
+          <p:cNvSpPr txBox="1"/>
+          <p:nvPr/>
+        </p:nvSpPr>
+        <p:spPr>
+          <a:xfrm>
+            <a:off x="6115697" y="1628776"/>
+            <a:ext cx="2697480" cy="4557712"/>
+          </a:xfrm>
+          <a:prstGeom prst="rect">
+            <a:avLst/>
+          </a:prstGeom>
+          <a:noFill/>
+          <a:ln>
+            <a:solidFill>
+              <a:schemeClr val="accent5">
+                <a:lumMod val="75000"/>
+              </a:schemeClr>
+            </a:solidFill>
+          </a:ln>
+        </p:spPr>
+        <p:txBody>
+          <a:bodyPr wrap="square" lIns="91440" rIns="91440" rtlCol="0">
+            <a:noAutofit/>
+          </a:bodyPr>
+          <a:lstStyle/>
+          <a:p>
+            <a:r>
+              <a:rPr lang="en-US" dirty="0">
+                <a:latin typeface="Arial" panose="020B0604020202020204" pitchFamily="34" charset="0"/>
+                <a:cs typeface="Arial" panose="020B0604020202020204" pitchFamily="34" charset="0"/>
+              </a:rPr>
+              <a:t>No labels in any form are available</a:t>
+            </a:r>
+          </a:p>
+          <a:p>
+            <a:endParaRPr lang="en-US" dirty="0">
+              <a:latin typeface="Arial" panose="020B0604020202020204" pitchFamily="34" charset="0"/>
+              <a:cs typeface="Arial" panose="020B0604020202020204" pitchFamily="34" charset="0"/>
+            </a:endParaRPr>
+          </a:p>
+          <a:p>
+            <a:endParaRPr lang="en-US" dirty="0">
+              <a:latin typeface="Arial" panose="020B0604020202020204" pitchFamily="34" charset="0"/>
+              <a:cs typeface="Arial" panose="020B0604020202020204" pitchFamily="34" charset="0"/>
+            </a:endParaRPr>
+          </a:p>
+          <a:p>
+            <a:r>
+              <a:rPr lang="en-US" b="1" dirty="0">
+                <a:latin typeface="Arial" panose="020B0604020202020204" pitchFamily="34" charset="0"/>
+                <a:cs typeface="Arial" panose="020B0604020202020204" pitchFamily="34" charset="0"/>
+              </a:rPr>
+              <a:t>Methods</a:t>
+            </a:r>
+            <a:endParaRPr lang="en-US" dirty="0">
+              <a:latin typeface="Arial" panose="020B0604020202020204" pitchFamily="34" charset="0"/>
+              <a:cs typeface="Arial" panose="020B0604020202020204" pitchFamily="34" charset="0"/>
+            </a:endParaRPr>
+          </a:p>
+          <a:p>
+            <a:pPr marL="285750" indent="-285750">
+              <a:buFont typeface="Arial" panose="020B0604020202020204" pitchFamily="34" charset="0"/>
+              <a:buChar char="•"/>
+            </a:pPr>
+            <a:r>
+              <a:rPr lang="en-US" dirty="0">
+                <a:solidFill>
+                  <a:srgbClr val="00B050"/>
+                </a:solidFill>
+                <a:latin typeface="Arial" panose="020B0604020202020204" pitchFamily="34" charset="0"/>
+                <a:cs typeface="Arial" panose="020B0604020202020204" pitchFamily="34" charset="0"/>
+              </a:rPr>
+              <a:t>Percentiles</a:t>
+            </a:r>
+            <a:r>
+              <a:rPr lang="en-US" dirty="0">
+                <a:latin typeface="Arial" panose="020B0604020202020204" pitchFamily="34" charset="0"/>
+                <a:cs typeface="Arial" panose="020B0604020202020204" pitchFamily="34" charset="0"/>
+              </a:rPr>
+              <a:t> / histogram</a:t>
+            </a:r>
+          </a:p>
+          <a:p>
+            <a:pPr marL="285750" indent="-285750">
+              <a:buFont typeface="Arial" panose="020B0604020202020204" pitchFamily="34" charset="0"/>
+              <a:buChar char="•"/>
+            </a:pPr>
+            <a:r>
+              <a:rPr lang="en-US" dirty="0">
+                <a:latin typeface="Arial" panose="020B0604020202020204" pitchFamily="34" charset="0"/>
+                <a:cs typeface="Arial" panose="020B0604020202020204" pitchFamily="34" charset="0"/>
+              </a:rPr>
+              <a:t>Clustering</a:t>
+            </a:r>
+          </a:p>
+          <a:p>
+            <a:pPr marL="285750" indent="-285750">
+              <a:buFont typeface="Arial" panose="020B0604020202020204" pitchFamily="34" charset="0"/>
+              <a:buChar char="•"/>
+            </a:pPr>
+            <a:r>
+              <a:rPr lang="en-US" dirty="0" err="1">
+                <a:solidFill>
+                  <a:srgbClr val="00B050"/>
+                </a:solidFill>
+                <a:latin typeface="Arial" panose="020B0604020202020204" pitchFamily="34" charset="0"/>
+                <a:cs typeface="Arial" panose="020B0604020202020204" pitchFamily="34" charset="0"/>
+              </a:rPr>
+              <a:t>kNN</a:t>
+            </a:r>
+            <a:r>
+              <a:rPr lang="en-US" dirty="0">
+                <a:solidFill>
+                  <a:srgbClr val="00B050"/>
+                </a:solidFill>
+                <a:latin typeface="Arial" panose="020B0604020202020204" pitchFamily="34" charset="0"/>
+                <a:cs typeface="Arial" panose="020B0604020202020204" pitchFamily="34" charset="0"/>
+              </a:rPr>
+              <a:t> (k nearest neighbors)</a:t>
+            </a:r>
+          </a:p>
+          <a:p>
+            <a:pPr marL="285750" indent="-285750">
+              <a:buFont typeface="Arial" panose="020B0604020202020204" pitchFamily="34" charset="0"/>
+              <a:buChar char="•"/>
+            </a:pPr>
+            <a:r>
+              <a:rPr lang="en-US" dirty="0">
+                <a:latin typeface="Arial" panose="020B0604020202020204" pitchFamily="34" charset="0"/>
+                <a:cs typeface="Arial" panose="020B0604020202020204" pitchFamily="34" charset="0"/>
+              </a:rPr>
+              <a:t>Isolation forest</a:t>
+            </a:r>
+          </a:p>
+          <a:p>
+            <a:pPr marL="285750" indent="-285750">
+              <a:buFont typeface="Arial" panose="020B0604020202020204" pitchFamily="34" charset="0"/>
+              <a:buChar char="•"/>
+            </a:pPr>
+            <a:r>
+              <a:rPr lang="en-US" dirty="0">
+                <a:solidFill>
+                  <a:srgbClr val="00B050"/>
+                </a:solidFill>
+                <a:latin typeface="Arial" panose="020B0604020202020204" pitchFamily="34" charset="0"/>
+                <a:cs typeface="Arial" panose="020B0604020202020204" pitchFamily="34" charset="0"/>
+              </a:rPr>
+              <a:t>Autoregressive model</a:t>
+            </a:r>
+          </a:p>
+          <a:p>
+            <a:pPr marL="285750" indent="-285750">
+              <a:buFont typeface="Arial" panose="020B0604020202020204" pitchFamily="34" charset="0"/>
+              <a:buChar char="•"/>
+            </a:pPr>
+            <a:r>
+              <a:rPr lang="en-US" dirty="0">
+                <a:latin typeface="Arial" panose="020B0604020202020204" pitchFamily="34" charset="0"/>
+                <a:cs typeface="Arial" panose="020B0604020202020204" pitchFamily="34" charset="0"/>
+              </a:rPr>
+              <a:t>…</a:t>
+            </a:r>
+          </a:p>
+          <a:p>
+            <a:pPr marL="285750" indent="-285750">
+              <a:buFont typeface="Arial" panose="020B0604020202020204" pitchFamily="34" charset="0"/>
+              <a:buChar char="•"/>
+            </a:pPr>
+            <a:endParaRPr lang="en-US" dirty="0">
+              <a:latin typeface="Arial" panose="020B0604020202020204" pitchFamily="34" charset="0"/>
+              <a:cs typeface="Arial" panose="020B0604020202020204" pitchFamily="34" charset="0"/>
+            </a:endParaRPr>
+          </a:p>
+        </p:txBody>
+      </p:sp>
+    </p:spTree>
+    <p:extLst>
+      <p:ext uri="{BB962C8B-B14F-4D97-AF65-F5344CB8AC3E}">
+        <p14:creationId xmlns:p14="http://schemas.microsoft.com/office/powerpoint/2010/main" val="1322697789"/>
+      </p:ext>
+    </p:extLst>
+  </p:cSld>
+  <p:clrMapOvr>
+    <a:masterClrMapping/>
+  </p:clrMapOvr>
+</p:sld>
+</file>
+
+<file path=ppt/slides/slide12.xml><?xml version="1.0" encoding="utf-8"?>
+<p:sld xmlns:a="http://schemas.openxmlformats.org/drawingml/2006/main" xmlns:r="http://schemas.openxmlformats.org/officeDocument/2006/relationships" xmlns:p="http://schemas.openxmlformats.org/presentationml/2006/main">
+  <p:cSld>
+    <p:spTree>
+      <p:nvGrpSpPr>
+        <p:cNvPr id="1" name=""/>
+        <p:cNvGrpSpPr/>
+        <p:nvPr/>
+      </p:nvGrpSpPr>
+      <p:grpSpPr>
+        <a:xfrm>
+          <a:off x="0" y="0"/>
+          <a:ext cx="0" cy="0"/>
+          <a:chOff x="0" y="0"/>
+          <a:chExt cx="0" cy="0"/>
+        </a:xfrm>
+      </p:grpSpPr>
+      <p:sp>
+        <p:nvSpPr>
+          <p:cNvPr id="2" name="TextBox 1">
+            <a:extLst>
+              <a:ext uri="{FF2B5EF4-FFF2-40B4-BE49-F238E27FC236}">
+                <a16:creationId xmlns:a16="http://schemas.microsoft.com/office/drawing/2014/main" id="{5840F389-394A-5841-A90B-A3163C3A3F43}"/>
+              </a:ext>
+            </a:extLst>
+          </p:cNvPr>
+          <p:cNvSpPr txBox="1"/>
+          <p:nvPr/>
+        </p:nvSpPr>
+        <p:spPr>
+          <a:xfrm>
+            <a:off x="300251" y="327546"/>
+            <a:ext cx="8529850" cy="584775"/>
+          </a:xfrm>
+          <a:prstGeom prst="rect">
+            <a:avLst/>
+          </a:prstGeom>
+          <a:noFill/>
+        </p:spPr>
+        <p:txBody>
+          <a:bodyPr wrap="square" rtlCol="0">
+            <a:spAutoFit/>
+          </a:bodyPr>
+          <a:lstStyle/>
+          <a:p>
+            <a:r>
+              <a:rPr lang="en-US" sz="3200" b="1" dirty="0">
+                <a:latin typeface="Arial" panose="020B0604020202020204" pitchFamily="34" charset="0"/>
+                <a:cs typeface="Arial" panose="020B0604020202020204" pitchFamily="34" charset="0"/>
+              </a:rPr>
               <a:t>Decision tree</a:t>
             </a:r>
           </a:p>
@@ -4014,7 +4673,7 @@
 </p:sld>
 </file>
 
-<file path=ppt/slides/slide12.xml><?xml version="1.0" encoding="utf-8"?>
+<file path=ppt/slides/slide13.xml><?xml version="1.0" encoding="utf-8"?>
 <p:sld xmlns:a="http://schemas.openxmlformats.org/drawingml/2006/main" xmlns:r="http://schemas.openxmlformats.org/officeDocument/2006/relationships" xmlns:p="http://schemas.openxmlformats.org/presentationml/2006/main">
   <p:cSld>
     <p:spTree>
@@ -5227,7 +5886,7 @@
 </p:sld>
 </file>
 
-<file path=ppt/slides/slide13.xml><?xml version="1.0" encoding="utf-8"?>
+<file path=ppt/slides/slide14.xml><?xml version="1.0" encoding="utf-8"?>
 <p:sld xmlns:a="http://schemas.openxmlformats.org/drawingml/2006/main" xmlns:r="http://schemas.openxmlformats.org/officeDocument/2006/relationships" xmlns:p="http://schemas.openxmlformats.org/presentationml/2006/main">
   <p:cSld>
     <p:spTree>
@@ -5394,7 +6053,7 @@
 </p:sld>
 </file>
 
-<file path=ppt/slides/slide14.xml><?xml version="1.0" encoding="utf-8"?>
+<file path=ppt/slides/slide15.xml><?xml version="1.0" encoding="utf-8"?>
 <p:sld xmlns:a="http://schemas.openxmlformats.org/drawingml/2006/main" xmlns:r="http://schemas.openxmlformats.org/officeDocument/2006/relationships" xmlns:p="http://schemas.openxmlformats.org/presentationml/2006/main">
   <p:cSld>
     <p:spTree>
@@ -5888,7 +6547,7 @@
 </p:sld>
 </file>
 
-<file path=ppt/slides/slide15.xml><?xml version="1.0" encoding="utf-8"?>
+<file path=ppt/slides/slide16.xml><?xml version="1.0" encoding="utf-8"?>
 <p:sld xmlns:a="http://schemas.openxmlformats.org/drawingml/2006/main" xmlns:r="http://schemas.openxmlformats.org/officeDocument/2006/relationships" xmlns:p="http://schemas.openxmlformats.org/presentationml/2006/main">
   <p:cSld>
     <p:spTree>
@@ -7813,152 +8472,6 @@
 </p:sld>
 </file>
 
-<file path=ppt/slides/slide16.xml><?xml version="1.0" encoding="utf-8"?>
-<p:sld xmlns:a="http://schemas.openxmlformats.org/drawingml/2006/main" xmlns:r="http://schemas.openxmlformats.org/officeDocument/2006/relationships" xmlns:p="http://schemas.openxmlformats.org/presentationml/2006/main">
-  <p:cSld>
-    <p:spTree>
-      <p:nvGrpSpPr>
-        <p:cNvPr id="1" name=""/>
-        <p:cNvGrpSpPr/>
-        <p:nvPr/>
-      </p:nvGrpSpPr>
-      <p:grpSpPr>
-        <a:xfrm>
-          <a:off x="0" y="0"/>
-          <a:ext cx="0" cy="0"/>
-          <a:chOff x="0" y="0"/>
-          <a:chExt cx="0" cy="0"/>
-        </a:xfrm>
-      </p:grpSpPr>
-      <p:sp>
-        <p:nvSpPr>
-          <p:cNvPr id="2" name="TextBox 1">
-            <a:extLst>
-              <a:ext uri="{FF2B5EF4-FFF2-40B4-BE49-F238E27FC236}">
-                <a16:creationId xmlns:a16="http://schemas.microsoft.com/office/drawing/2014/main" id="{5840F389-394A-5841-A90B-A3163C3A3F43}"/>
-              </a:ext>
-            </a:extLst>
-          </p:cNvPr>
-          <p:cNvSpPr txBox="1"/>
-          <p:nvPr/>
-        </p:nvSpPr>
-        <p:spPr>
-          <a:xfrm>
-            <a:off x="300251" y="327546"/>
-            <a:ext cx="8529850" cy="584775"/>
-          </a:xfrm>
-          <a:prstGeom prst="rect">
-            <a:avLst/>
-          </a:prstGeom>
-          <a:noFill/>
-        </p:spPr>
-        <p:txBody>
-          <a:bodyPr wrap="square" rtlCol="0">
-            <a:spAutoFit/>
-          </a:bodyPr>
-          <a:lstStyle/>
-          <a:p>
-            <a:r>
-              <a:rPr lang="en-US" sz="3200" b="1" dirty="0">
-                <a:latin typeface="Arial" panose="020B0604020202020204" pitchFamily="34" charset="0"/>
-                <a:cs typeface="Arial" panose="020B0604020202020204" pitchFamily="34" charset="0"/>
-              </a:rPr>
-              <a:t>Reading</a:t>
-            </a:r>
-          </a:p>
-        </p:txBody>
-      </p:sp>
-      <p:sp>
-        <p:nvSpPr>
-          <p:cNvPr id="5" name="TextBox 4">
-            <a:extLst>
-              <a:ext uri="{FF2B5EF4-FFF2-40B4-BE49-F238E27FC236}">
-                <a16:creationId xmlns:a16="http://schemas.microsoft.com/office/drawing/2014/main" id="{D88C6ABB-FA24-384D-BB9B-FAABA787CA39}"/>
-              </a:ext>
-            </a:extLst>
-          </p:cNvPr>
-          <p:cNvSpPr txBox="1"/>
-          <p:nvPr/>
-        </p:nvSpPr>
-        <p:spPr>
-          <a:xfrm>
-            <a:off x="300251" y="1039504"/>
-            <a:ext cx="8529850" cy="1477328"/>
-          </a:xfrm>
-          <a:prstGeom prst="rect">
-            <a:avLst/>
-          </a:prstGeom>
-          <a:noFill/>
-        </p:spPr>
-        <p:txBody>
-          <a:bodyPr wrap="square" rtlCol="0">
-            <a:spAutoFit/>
-          </a:bodyPr>
-          <a:lstStyle/>
-          <a:p>
-            <a:pPr marL="342900" indent="-342900">
-              <a:buFont typeface="Arial" panose="020B0604020202020204" pitchFamily="34" charset="0"/>
-              <a:buChar char="•"/>
-            </a:pPr>
-            <a:r>
-              <a:rPr lang="en-US" dirty="0">
-                <a:hlinkClick r:id="rId2"/>
-              </a:rPr>
-              <a:t>https://blog.floydhub.com/introduction-to-anomaly-detection-in-python/</a:t>
-            </a:r>
-            <a:endParaRPr lang="en-US" dirty="0"/>
-          </a:p>
-          <a:p>
-            <a:pPr marL="342900" indent="-342900">
-              <a:buFont typeface="Arial" panose="020B0604020202020204" pitchFamily="34" charset="0"/>
-              <a:buChar char="•"/>
-            </a:pPr>
-            <a:r>
-              <a:rPr lang="en-US" dirty="0">
-                <a:hlinkClick r:id="rId3"/>
-              </a:rPr>
-              <a:t>http://www.cs.uwyo.edu/~clan/teach/rampe18_anomaly.pdf</a:t>
-            </a:r>
-            <a:endParaRPr lang="en-US" sz="2400" dirty="0">
-              <a:latin typeface="Arial" panose="020B0604020202020204" pitchFamily="34" charset="0"/>
-              <a:cs typeface="Arial" panose="020B0604020202020204" pitchFamily="34" charset="0"/>
-            </a:endParaRPr>
-          </a:p>
-          <a:p>
-            <a:pPr marL="342900" indent="-342900">
-              <a:buFont typeface="Arial" panose="020B0604020202020204" pitchFamily="34" charset="0"/>
-              <a:buChar char="•"/>
-            </a:pPr>
-            <a:r>
-              <a:rPr lang="en-US" dirty="0">
-                <a:hlinkClick r:id="rId4"/>
-              </a:rPr>
-              <a:t>https://iwringer.wordpress.com/2015/11/17/anomaly-detection-concepts-and-techniques/</a:t>
-            </a:r>
-            <a:endParaRPr lang="en-US" dirty="0"/>
-          </a:p>
-          <a:p>
-            <a:pPr marL="342900" indent="-342900">
-              <a:buFont typeface="Arial" panose="020B0604020202020204" pitchFamily="34" charset="0"/>
-              <a:buChar char="•"/>
-            </a:pPr>
-            <a:endParaRPr lang="en-US" dirty="0"/>
-          </a:p>
-        </p:txBody>
-      </p:sp>
-    </p:spTree>
-    <p:extLst>
-      <p:ext uri="{BB962C8B-B14F-4D97-AF65-F5344CB8AC3E}">
-        <p14:creationId xmlns:p14="http://schemas.microsoft.com/office/powerpoint/2010/main" val="3308531369"/>
-      </p:ext>
-    </p:extLst>
-  </p:cSld>
-  <p:clrMapOvr>
-    <a:masterClrMapping/>
-  </p:clrMapOvr>
-</p:sld>
-</file>
-
 <file path=ppt/slides/slide17.xml><?xml version="1.0" encoding="utf-8"?>
 <p:sld xmlns:a="http://schemas.openxmlformats.org/drawingml/2006/main" xmlns:r="http://schemas.openxmlformats.org/officeDocument/2006/relationships" xmlns:p="http://schemas.openxmlformats.org/presentationml/2006/main">
   <p:cSld>
@@ -8009,7 +8522,7 @@
                 <a:latin typeface="Arial" panose="020B0604020202020204" pitchFamily="34" charset="0"/>
                 <a:cs typeface="Arial" panose="020B0604020202020204" pitchFamily="34" charset="0"/>
               </a:rPr>
-              <a:t>What is anomaly detection?</a:t>
+              <a:t>Reading</a:t>
             </a:r>
           </a:p>
         </p:txBody>
@@ -8029,7 +8542,7 @@
         <p:spPr>
           <a:xfrm>
             <a:off x="300251" y="1039504"/>
-            <a:ext cx="8529850" cy="1569660"/>
+            <a:ext cx="8529850" cy="1477328"/>
           </a:xfrm>
           <a:prstGeom prst="rect">
             <a:avLst/>
@@ -8042,329 +8555,60 @@
           </a:bodyPr>
           <a:lstStyle/>
           <a:p>
-            <a:r>
-              <a:rPr lang="en-US" sz="2400" dirty="0">
-                <a:latin typeface="Arial" panose="020B0604020202020204" pitchFamily="34" charset="0"/>
-                <a:cs typeface="Arial" panose="020B0604020202020204" pitchFamily="34" charset="0"/>
-              </a:rPr>
-              <a:t>Anomaly detection refers to the problem of finding patterns in data that do not conform to expected / normal behavior. </a:t>
-            </a:r>
-          </a:p>
-          <a:p>
+            <a:pPr marL="342900" indent="-342900">
+              <a:buFont typeface="Arial" panose="020B0604020202020204" pitchFamily="34" charset="0"/>
+              <a:buChar char="•"/>
+            </a:pPr>
+            <a:r>
+              <a:rPr lang="en-US" dirty="0">
+                <a:hlinkClick r:id="rId2"/>
+              </a:rPr>
+              <a:t>https://blog.floydhub.com/introduction-to-anomaly-detection-in-python/</a:t>
+            </a:r>
+            <a:endParaRPr lang="en-US" dirty="0"/>
+          </a:p>
+          <a:p>
+            <a:pPr marL="342900" indent="-342900">
+              <a:buFont typeface="Arial" panose="020B0604020202020204" pitchFamily="34" charset="0"/>
+              <a:buChar char="•"/>
+            </a:pPr>
+            <a:r>
+              <a:rPr lang="en-US" dirty="0">
+                <a:hlinkClick r:id="rId3"/>
+              </a:rPr>
+              <a:t>http://www.cs.uwyo.edu/~clan/teach/rampe18_anomaly.pdf</a:t>
+            </a:r>
             <a:endParaRPr lang="en-US" sz="2400" dirty="0">
               <a:latin typeface="Arial" panose="020B0604020202020204" pitchFamily="34" charset="0"/>
               <a:cs typeface="Arial" panose="020B0604020202020204" pitchFamily="34" charset="0"/>
             </a:endParaRPr>
           </a:p>
           <a:p>
-            <a:r>
-              <a:rPr lang="en-US" sz="2400" dirty="0">
-                <a:latin typeface="Arial" panose="020B0604020202020204" pitchFamily="34" charset="0"/>
-                <a:cs typeface="Arial" panose="020B0604020202020204" pitchFamily="34" charset="0"/>
-              </a:rPr>
-              <a:t>Anomalies are also known as - </a:t>
-            </a:r>
-          </a:p>
-        </p:txBody>
-      </p:sp>
-      <p:sp>
-        <p:nvSpPr>
-          <p:cNvPr id="4" name="TextBox 3">
-            <a:extLst>
-              <a:ext uri="{FF2B5EF4-FFF2-40B4-BE49-F238E27FC236}">
-                <a16:creationId xmlns:a16="http://schemas.microsoft.com/office/drawing/2014/main" id="{5A8D9CA9-09E8-CB4E-8A79-16C6FA2BA252}"/>
-              </a:ext>
-            </a:extLst>
-          </p:cNvPr>
-          <p:cNvSpPr txBox="1"/>
-          <p:nvPr/>
-        </p:nvSpPr>
-        <p:spPr>
-          <a:xfrm>
-            <a:off x="2019868" y="3484498"/>
-            <a:ext cx="1965278" cy="461665"/>
-          </a:xfrm>
-          <a:prstGeom prst="rect">
-            <a:avLst/>
-          </a:prstGeom>
-          <a:noFill/>
-        </p:spPr>
-        <p:txBody>
-          <a:bodyPr wrap="square" rtlCol="0">
-            <a:spAutoFit/>
-          </a:bodyPr>
-          <a:lstStyle/>
-          <a:p>
             <a:pPr marL="342900" indent="-342900">
               <a:buFont typeface="Arial" panose="020B0604020202020204" pitchFamily="34" charset="0"/>
               <a:buChar char="•"/>
             </a:pPr>
             <a:r>
-              <a:rPr lang="en-US" sz="2400" dirty="0">
-                <a:latin typeface="Arial" panose="020B0604020202020204" pitchFamily="34" charset="0"/>
-                <a:cs typeface="Arial" panose="020B0604020202020204" pitchFamily="34" charset="0"/>
-              </a:rPr>
-              <a:t>Outliers</a:t>
-            </a:r>
-          </a:p>
-        </p:txBody>
-      </p:sp>
-      <p:sp>
-        <p:nvSpPr>
-          <p:cNvPr id="6" name="TextBox 5">
-            <a:extLst>
-              <a:ext uri="{FF2B5EF4-FFF2-40B4-BE49-F238E27FC236}">
-                <a16:creationId xmlns:a16="http://schemas.microsoft.com/office/drawing/2014/main" id="{67F78E05-1D60-CC45-A29F-A2BBBEAC181A}"/>
-              </a:ext>
-            </a:extLst>
-          </p:cNvPr>
-          <p:cNvSpPr txBox="1"/>
-          <p:nvPr/>
-        </p:nvSpPr>
-        <p:spPr>
-          <a:xfrm>
-            <a:off x="2396319" y="5234133"/>
-            <a:ext cx="2686334" cy="830997"/>
-          </a:xfrm>
-          <a:prstGeom prst="rect">
-            <a:avLst/>
-          </a:prstGeom>
-          <a:noFill/>
-        </p:spPr>
-        <p:txBody>
-          <a:bodyPr wrap="square" rtlCol="0">
-            <a:spAutoFit/>
-          </a:bodyPr>
-          <a:lstStyle/>
+              <a:rPr lang="en-US" dirty="0">
+                <a:hlinkClick r:id="rId4"/>
+              </a:rPr>
+              <a:t>https://iwringer.wordpress.com/2015/11/17/anomaly-detection-concepts-and-techniques/</a:t>
+            </a:r>
+            <a:endParaRPr lang="en-US" dirty="0"/>
+          </a:p>
           <a:p>
             <a:pPr marL="342900" indent="-342900">
               <a:buFont typeface="Arial" panose="020B0604020202020204" pitchFamily="34" charset="0"/>
               <a:buChar char="•"/>
             </a:pPr>
-            <a:r>
-              <a:rPr lang="en-US" sz="2400" dirty="0">
-                <a:latin typeface="Arial" panose="020B0604020202020204" pitchFamily="34" charset="0"/>
-                <a:cs typeface="Arial" panose="020B0604020202020204" pitchFamily="34" charset="0"/>
-              </a:rPr>
-              <a:t>Discordant observations</a:t>
-            </a:r>
-          </a:p>
-        </p:txBody>
-      </p:sp>
-      <p:sp>
-        <p:nvSpPr>
-          <p:cNvPr id="7" name="TextBox 6">
-            <a:extLst>
-              <a:ext uri="{FF2B5EF4-FFF2-40B4-BE49-F238E27FC236}">
-                <a16:creationId xmlns:a16="http://schemas.microsoft.com/office/drawing/2014/main" id="{68F7F410-2176-8747-BA8B-76C31525BC14}"/>
-              </a:ext>
-            </a:extLst>
-          </p:cNvPr>
-          <p:cNvSpPr txBox="1"/>
-          <p:nvPr/>
-        </p:nvSpPr>
-        <p:spPr>
-          <a:xfrm>
-            <a:off x="4310418" y="3151432"/>
-            <a:ext cx="2249607" cy="461665"/>
-          </a:xfrm>
-          <a:prstGeom prst="rect">
-            <a:avLst/>
-          </a:prstGeom>
-          <a:noFill/>
-        </p:spPr>
-        <p:txBody>
-          <a:bodyPr wrap="square" rtlCol="0">
-            <a:spAutoFit/>
-          </a:bodyPr>
-          <a:lstStyle/>
-          <a:p>
-            <a:pPr marL="342900" indent="-342900">
-              <a:buFont typeface="Arial" panose="020B0604020202020204" pitchFamily="34" charset="0"/>
-              <a:buChar char="•"/>
-            </a:pPr>
-            <a:r>
-              <a:rPr lang="en-US" sz="2400" dirty="0">
-                <a:latin typeface="Arial" panose="020B0604020202020204" pitchFamily="34" charset="0"/>
-                <a:cs typeface="Arial" panose="020B0604020202020204" pitchFamily="34" charset="0"/>
-              </a:rPr>
-              <a:t>Exceptions</a:t>
-            </a:r>
-          </a:p>
-        </p:txBody>
-      </p:sp>
-      <p:sp>
-        <p:nvSpPr>
-          <p:cNvPr id="8" name="TextBox 7">
-            <a:extLst>
-              <a:ext uri="{FF2B5EF4-FFF2-40B4-BE49-F238E27FC236}">
-                <a16:creationId xmlns:a16="http://schemas.microsoft.com/office/drawing/2014/main" id="{10FB2D38-113A-1645-8574-B472851375E8}"/>
-              </a:ext>
-            </a:extLst>
-          </p:cNvPr>
-          <p:cNvSpPr txBox="1"/>
-          <p:nvPr/>
-        </p:nvSpPr>
-        <p:spPr>
-          <a:xfrm>
-            <a:off x="3739486" y="4386149"/>
-            <a:ext cx="2249607" cy="461665"/>
-          </a:xfrm>
-          <a:prstGeom prst="rect">
-            <a:avLst/>
-          </a:prstGeom>
-          <a:noFill/>
-        </p:spPr>
-        <p:txBody>
-          <a:bodyPr wrap="square" rtlCol="0">
-            <a:spAutoFit/>
-          </a:bodyPr>
-          <a:lstStyle/>
-          <a:p>
-            <a:pPr marL="342900" indent="-342900">
-              <a:buFont typeface="Arial" panose="020B0604020202020204" pitchFamily="34" charset="0"/>
-              <a:buChar char="•"/>
-            </a:pPr>
-            <a:r>
-              <a:rPr lang="en-US" sz="2400" dirty="0">
-                <a:latin typeface="Arial" panose="020B0604020202020204" pitchFamily="34" charset="0"/>
-                <a:cs typeface="Arial" panose="020B0604020202020204" pitchFamily="34" charset="0"/>
-              </a:rPr>
-              <a:t>Aberrations</a:t>
-            </a:r>
-          </a:p>
-        </p:txBody>
-      </p:sp>
-      <p:sp>
-        <p:nvSpPr>
-          <p:cNvPr id="9" name="TextBox 8">
-            <a:extLst>
-              <a:ext uri="{FF2B5EF4-FFF2-40B4-BE49-F238E27FC236}">
-                <a16:creationId xmlns:a16="http://schemas.microsoft.com/office/drawing/2014/main" id="{0C94483C-999D-5A42-B7B3-D8D4239FAD02}"/>
-              </a:ext>
-            </a:extLst>
-          </p:cNvPr>
-          <p:cNvSpPr txBox="1"/>
-          <p:nvPr/>
-        </p:nvSpPr>
-        <p:spPr>
-          <a:xfrm>
-            <a:off x="5798024" y="4969806"/>
-            <a:ext cx="2249607" cy="461665"/>
-          </a:xfrm>
-          <a:prstGeom prst="rect">
-            <a:avLst/>
-          </a:prstGeom>
-          <a:noFill/>
-        </p:spPr>
-        <p:txBody>
-          <a:bodyPr wrap="square" rtlCol="0">
-            <a:spAutoFit/>
-          </a:bodyPr>
-          <a:lstStyle/>
-          <a:p>
-            <a:pPr marL="342900" indent="-342900">
-              <a:buFont typeface="Arial" panose="020B0604020202020204" pitchFamily="34" charset="0"/>
-              <a:buChar char="•"/>
-            </a:pPr>
-            <a:r>
-              <a:rPr lang="en-US" sz="2400" dirty="0">
-                <a:latin typeface="Arial" panose="020B0604020202020204" pitchFamily="34" charset="0"/>
-                <a:cs typeface="Arial" panose="020B0604020202020204" pitchFamily="34" charset="0"/>
-              </a:rPr>
-              <a:t>Surprises</a:t>
-            </a:r>
-          </a:p>
-        </p:txBody>
-      </p:sp>
-      <p:sp>
-        <p:nvSpPr>
-          <p:cNvPr id="10" name="TextBox 9">
-            <a:extLst>
-              <a:ext uri="{FF2B5EF4-FFF2-40B4-BE49-F238E27FC236}">
-                <a16:creationId xmlns:a16="http://schemas.microsoft.com/office/drawing/2014/main" id="{CACD1EB2-DE40-1541-9469-CFB22F9967F7}"/>
-              </a:ext>
-            </a:extLst>
-          </p:cNvPr>
-          <p:cNvSpPr txBox="1"/>
-          <p:nvPr/>
-        </p:nvSpPr>
-        <p:spPr>
-          <a:xfrm>
-            <a:off x="5989093" y="3789600"/>
-            <a:ext cx="2513462" cy="461665"/>
-          </a:xfrm>
-          <a:prstGeom prst="rect">
-            <a:avLst/>
-          </a:prstGeom>
-          <a:noFill/>
-        </p:spPr>
-        <p:txBody>
-          <a:bodyPr wrap="square" rtlCol="0">
-            <a:spAutoFit/>
-          </a:bodyPr>
-          <a:lstStyle/>
-          <a:p>
-            <a:pPr marL="342900" indent="-342900">
-              <a:buFont typeface="Arial" panose="020B0604020202020204" pitchFamily="34" charset="0"/>
-              <a:buChar char="•"/>
-            </a:pPr>
-            <a:r>
-              <a:rPr lang="en-US" sz="2400" dirty="0">
-                <a:latin typeface="Arial" panose="020B0604020202020204" pitchFamily="34" charset="0"/>
-                <a:cs typeface="Arial" panose="020B0604020202020204" pitchFamily="34" charset="0"/>
-              </a:rPr>
-              <a:t>contaminants</a:t>
-            </a:r>
-          </a:p>
-        </p:txBody>
-      </p:sp>
-      <p:sp>
-        <p:nvSpPr>
-          <p:cNvPr id="11" name="TextBox 10">
-            <a:extLst>
-              <a:ext uri="{FF2B5EF4-FFF2-40B4-BE49-F238E27FC236}">
-                <a16:creationId xmlns:a16="http://schemas.microsoft.com/office/drawing/2014/main" id="{DBDEA89A-DF04-0745-A154-4E18A35108B4}"/>
-              </a:ext>
-            </a:extLst>
-          </p:cNvPr>
-          <p:cNvSpPr txBox="1"/>
-          <p:nvPr/>
-        </p:nvSpPr>
-        <p:spPr>
-          <a:xfrm>
-            <a:off x="1113429" y="4359832"/>
-            <a:ext cx="2249607" cy="461665"/>
-          </a:xfrm>
-          <a:prstGeom prst="rect">
-            <a:avLst/>
-          </a:prstGeom>
-          <a:noFill/>
-        </p:spPr>
-        <p:txBody>
-          <a:bodyPr wrap="square" rtlCol="0">
-            <a:spAutoFit/>
-          </a:bodyPr>
-          <a:lstStyle/>
-          <a:p>
-            <a:pPr marL="342900" indent="-342900">
-              <a:buFont typeface="Arial" panose="020B0604020202020204" pitchFamily="34" charset="0"/>
-              <a:buChar char="•"/>
-            </a:pPr>
-            <a:r>
-              <a:rPr lang="en-US" sz="2400" dirty="0">
-                <a:latin typeface="Arial" panose="020B0604020202020204" pitchFamily="34" charset="0"/>
-                <a:cs typeface="Arial" panose="020B0604020202020204" pitchFamily="34" charset="0"/>
-              </a:rPr>
-              <a:t>Peculiarities</a:t>
-            </a:r>
+            <a:endParaRPr lang="en-US" dirty="0"/>
           </a:p>
         </p:txBody>
       </p:sp>
     </p:spTree>
     <p:extLst>
       <p:ext uri="{BB962C8B-B14F-4D97-AF65-F5344CB8AC3E}">
-        <p14:creationId xmlns:p14="http://schemas.microsoft.com/office/powerpoint/2010/main" val="596175268"/>
+        <p14:creationId xmlns:p14="http://schemas.microsoft.com/office/powerpoint/2010/main" val="3308531369"/>
       </p:ext>
     </p:extLst>
   </p:cSld>
@@ -8424,6 +8668,421 @@
                 <a:latin typeface="Arial" panose="020B0604020202020204" pitchFamily="34" charset="0"/>
                 <a:cs typeface="Arial" panose="020B0604020202020204" pitchFamily="34" charset="0"/>
               </a:rPr>
+              <a:t>What is anomaly detection?</a:t>
+            </a:r>
+          </a:p>
+        </p:txBody>
+      </p:sp>
+      <p:sp>
+        <p:nvSpPr>
+          <p:cNvPr id="5" name="TextBox 4">
+            <a:extLst>
+              <a:ext uri="{FF2B5EF4-FFF2-40B4-BE49-F238E27FC236}">
+                <a16:creationId xmlns:a16="http://schemas.microsoft.com/office/drawing/2014/main" id="{D88C6ABB-FA24-384D-BB9B-FAABA787CA39}"/>
+              </a:ext>
+            </a:extLst>
+          </p:cNvPr>
+          <p:cNvSpPr txBox="1"/>
+          <p:nvPr/>
+        </p:nvSpPr>
+        <p:spPr>
+          <a:xfrm>
+            <a:off x="300251" y="1039504"/>
+            <a:ext cx="8529850" cy="1569660"/>
+          </a:xfrm>
+          <a:prstGeom prst="rect">
+            <a:avLst/>
+          </a:prstGeom>
+          <a:noFill/>
+        </p:spPr>
+        <p:txBody>
+          <a:bodyPr wrap="square" rtlCol="0">
+            <a:spAutoFit/>
+          </a:bodyPr>
+          <a:lstStyle/>
+          <a:p>
+            <a:r>
+              <a:rPr lang="en-US" sz="2400" dirty="0">
+                <a:latin typeface="Arial" panose="020B0604020202020204" pitchFamily="34" charset="0"/>
+                <a:cs typeface="Arial" panose="020B0604020202020204" pitchFamily="34" charset="0"/>
+              </a:rPr>
+              <a:t>Anomaly detection refers to the problem of finding patterns in data that do not conform to expected / normal behavior. </a:t>
+            </a:r>
+          </a:p>
+          <a:p>
+            <a:endParaRPr lang="en-US" sz="2400" dirty="0">
+              <a:latin typeface="Arial" panose="020B0604020202020204" pitchFamily="34" charset="0"/>
+              <a:cs typeface="Arial" panose="020B0604020202020204" pitchFamily="34" charset="0"/>
+            </a:endParaRPr>
+          </a:p>
+          <a:p>
+            <a:r>
+              <a:rPr lang="en-US" sz="2400" dirty="0">
+                <a:latin typeface="Arial" panose="020B0604020202020204" pitchFamily="34" charset="0"/>
+                <a:cs typeface="Arial" panose="020B0604020202020204" pitchFamily="34" charset="0"/>
+              </a:rPr>
+              <a:t>Anomalies are also known as - </a:t>
+            </a:r>
+          </a:p>
+        </p:txBody>
+      </p:sp>
+      <p:sp>
+        <p:nvSpPr>
+          <p:cNvPr id="4" name="TextBox 3">
+            <a:extLst>
+              <a:ext uri="{FF2B5EF4-FFF2-40B4-BE49-F238E27FC236}">
+                <a16:creationId xmlns:a16="http://schemas.microsoft.com/office/drawing/2014/main" id="{5A8D9CA9-09E8-CB4E-8A79-16C6FA2BA252}"/>
+              </a:ext>
+            </a:extLst>
+          </p:cNvPr>
+          <p:cNvSpPr txBox="1"/>
+          <p:nvPr/>
+        </p:nvSpPr>
+        <p:spPr>
+          <a:xfrm>
+            <a:off x="2019868" y="3484498"/>
+            <a:ext cx="1965278" cy="461665"/>
+          </a:xfrm>
+          <a:prstGeom prst="rect">
+            <a:avLst/>
+          </a:prstGeom>
+          <a:noFill/>
+        </p:spPr>
+        <p:txBody>
+          <a:bodyPr wrap="square" rtlCol="0">
+            <a:spAutoFit/>
+          </a:bodyPr>
+          <a:lstStyle/>
+          <a:p>
+            <a:pPr marL="342900" indent="-342900">
+              <a:buFont typeface="Arial" panose="020B0604020202020204" pitchFamily="34" charset="0"/>
+              <a:buChar char="•"/>
+            </a:pPr>
+            <a:r>
+              <a:rPr lang="en-US" sz="2400" dirty="0">
+                <a:latin typeface="Arial" panose="020B0604020202020204" pitchFamily="34" charset="0"/>
+                <a:cs typeface="Arial" panose="020B0604020202020204" pitchFamily="34" charset="0"/>
+              </a:rPr>
+              <a:t>Outliers</a:t>
+            </a:r>
+          </a:p>
+        </p:txBody>
+      </p:sp>
+      <p:sp>
+        <p:nvSpPr>
+          <p:cNvPr id="6" name="TextBox 5">
+            <a:extLst>
+              <a:ext uri="{FF2B5EF4-FFF2-40B4-BE49-F238E27FC236}">
+                <a16:creationId xmlns:a16="http://schemas.microsoft.com/office/drawing/2014/main" id="{67F78E05-1D60-CC45-A29F-A2BBBEAC181A}"/>
+              </a:ext>
+            </a:extLst>
+          </p:cNvPr>
+          <p:cNvSpPr txBox="1"/>
+          <p:nvPr/>
+        </p:nvSpPr>
+        <p:spPr>
+          <a:xfrm>
+            <a:off x="2396319" y="5234133"/>
+            <a:ext cx="2686334" cy="830997"/>
+          </a:xfrm>
+          <a:prstGeom prst="rect">
+            <a:avLst/>
+          </a:prstGeom>
+          <a:noFill/>
+        </p:spPr>
+        <p:txBody>
+          <a:bodyPr wrap="square" rtlCol="0">
+            <a:spAutoFit/>
+          </a:bodyPr>
+          <a:lstStyle/>
+          <a:p>
+            <a:pPr marL="342900" indent="-342900">
+              <a:buFont typeface="Arial" panose="020B0604020202020204" pitchFamily="34" charset="0"/>
+              <a:buChar char="•"/>
+            </a:pPr>
+            <a:r>
+              <a:rPr lang="en-US" sz="2400" dirty="0">
+                <a:latin typeface="Arial" panose="020B0604020202020204" pitchFamily="34" charset="0"/>
+                <a:cs typeface="Arial" panose="020B0604020202020204" pitchFamily="34" charset="0"/>
+              </a:rPr>
+              <a:t>Discordant observations</a:t>
+            </a:r>
+          </a:p>
+        </p:txBody>
+      </p:sp>
+      <p:sp>
+        <p:nvSpPr>
+          <p:cNvPr id="7" name="TextBox 6">
+            <a:extLst>
+              <a:ext uri="{FF2B5EF4-FFF2-40B4-BE49-F238E27FC236}">
+                <a16:creationId xmlns:a16="http://schemas.microsoft.com/office/drawing/2014/main" id="{68F7F410-2176-8747-BA8B-76C31525BC14}"/>
+              </a:ext>
+            </a:extLst>
+          </p:cNvPr>
+          <p:cNvSpPr txBox="1"/>
+          <p:nvPr/>
+        </p:nvSpPr>
+        <p:spPr>
+          <a:xfrm>
+            <a:off x="4310418" y="3151432"/>
+            <a:ext cx="2249607" cy="461665"/>
+          </a:xfrm>
+          <a:prstGeom prst="rect">
+            <a:avLst/>
+          </a:prstGeom>
+          <a:noFill/>
+        </p:spPr>
+        <p:txBody>
+          <a:bodyPr wrap="square" rtlCol="0">
+            <a:spAutoFit/>
+          </a:bodyPr>
+          <a:lstStyle/>
+          <a:p>
+            <a:pPr marL="342900" indent="-342900">
+              <a:buFont typeface="Arial" panose="020B0604020202020204" pitchFamily="34" charset="0"/>
+              <a:buChar char="•"/>
+            </a:pPr>
+            <a:r>
+              <a:rPr lang="en-US" sz="2400" dirty="0">
+                <a:latin typeface="Arial" panose="020B0604020202020204" pitchFamily="34" charset="0"/>
+                <a:cs typeface="Arial" panose="020B0604020202020204" pitchFamily="34" charset="0"/>
+              </a:rPr>
+              <a:t>Exceptions</a:t>
+            </a:r>
+          </a:p>
+        </p:txBody>
+      </p:sp>
+      <p:sp>
+        <p:nvSpPr>
+          <p:cNvPr id="8" name="TextBox 7">
+            <a:extLst>
+              <a:ext uri="{FF2B5EF4-FFF2-40B4-BE49-F238E27FC236}">
+                <a16:creationId xmlns:a16="http://schemas.microsoft.com/office/drawing/2014/main" id="{10FB2D38-113A-1645-8574-B472851375E8}"/>
+              </a:ext>
+            </a:extLst>
+          </p:cNvPr>
+          <p:cNvSpPr txBox="1"/>
+          <p:nvPr/>
+        </p:nvSpPr>
+        <p:spPr>
+          <a:xfrm>
+            <a:off x="3739486" y="4386149"/>
+            <a:ext cx="2249607" cy="461665"/>
+          </a:xfrm>
+          <a:prstGeom prst="rect">
+            <a:avLst/>
+          </a:prstGeom>
+          <a:noFill/>
+        </p:spPr>
+        <p:txBody>
+          <a:bodyPr wrap="square" rtlCol="0">
+            <a:spAutoFit/>
+          </a:bodyPr>
+          <a:lstStyle/>
+          <a:p>
+            <a:pPr marL="342900" indent="-342900">
+              <a:buFont typeface="Arial" panose="020B0604020202020204" pitchFamily="34" charset="0"/>
+              <a:buChar char="•"/>
+            </a:pPr>
+            <a:r>
+              <a:rPr lang="en-US" sz="2400" dirty="0">
+                <a:latin typeface="Arial" panose="020B0604020202020204" pitchFamily="34" charset="0"/>
+                <a:cs typeface="Arial" panose="020B0604020202020204" pitchFamily="34" charset="0"/>
+              </a:rPr>
+              <a:t>Aberrations</a:t>
+            </a:r>
+          </a:p>
+        </p:txBody>
+      </p:sp>
+      <p:sp>
+        <p:nvSpPr>
+          <p:cNvPr id="9" name="TextBox 8">
+            <a:extLst>
+              <a:ext uri="{FF2B5EF4-FFF2-40B4-BE49-F238E27FC236}">
+                <a16:creationId xmlns:a16="http://schemas.microsoft.com/office/drawing/2014/main" id="{0C94483C-999D-5A42-B7B3-D8D4239FAD02}"/>
+              </a:ext>
+            </a:extLst>
+          </p:cNvPr>
+          <p:cNvSpPr txBox="1"/>
+          <p:nvPr/>
+        </p:nvSpPr>
+        <p:spPr>
+          <a:xfrm>
+            <a:off x="5798024" y="4969806"/>
+            <a:ext cx="2249607" cy="461665"/>
+          </a:xfrm>
+          <a:prstGeom prst="rect">
+            <a:avLst/>
+          </a:prstGeom>
+          <a:noFill/>
+        </p:spPr>
+        <p:txBody>
+          <a:bodyPr wrap="square" rtlCol="0">
+            <a:spAutoFit/>
+          </a:bodyPr>
+          <a:lstStyle/>
+          <a:p>
+            <a:pPr marL="342900" indent="-342900">
+              <a:buFont typeface="Arial" panose="020B0604020202020204" pitchFamily="34" charset="0"/>
+              <a:buChar char="•"/>
+            </a:pPr>
+            <a:r>
+              <a:rPr lang="en-US" sz="2400" dirty="0">
+                <a:latin typeface="Arial" panose="020B0604020202020204" pitchFamily="34" charset="0"/>
+                <a:cs typeface="Arial" panose="020B0604020202020204" pitchFamily="34" charset="0"/>
+              </a:rPr>
+              <a:t>Surprises</a:t>
+            </a:r>
+          </a:p>
+        </p:txBody>
+      </p:sp>
+      <p:sp>
+        <p:nvSpPr>
+          <p:cNvPr id="10" name="TextBox 9">
+            <a:extLst>
+              <a:ext uri="{FF2B5EF4-FFF2-40B4-BE49-F238E27FC236}">
+                <a16:creationId xmlns:a16="http://schemas.microsoft.com/office/drawing/2014/main" id="{CACD1EB2-DE40-1541-9469-CFB22F9967F7}"/>
+              </a:ext>
+            </a:extLst>
+          </p:cNvPr>
+          <p:cNvSpPr txBox="1"/>
+          <p:nvPr/>
+        </p:nvSpPr>
+        <p:spPr>
+          <a:xfrm>
+            <a:off x="5989093" y="3789600"/>
+            <a:ext cx="2513462" cy="461665"/>
+          </a:xfrm>
+          <a:prstGeom prst="rect">
+            <a:avLst/>
+          </a:prstGeom>
+          <a:noFill/>
+        </p:spPr>
+        <p:txBody>
+          <a:bodyPr wrap="square" rtlCol="0">
+            <a:spAutoFit/>
+          </a:bodyPr>
+          <a:lstStyle/>
+          <a:p>
+            <a:pPr marL="342900" indent="-342900">
+              <a:buFont typeface="Arial" panose="020B0604020202020204" pitchFamily="34" charset="0"/>
+              <a:buChar char="•"/>
+            </a:pPr>
+            <a:r>
+              <a:rPr lang="en-US" sz="2400" dirty="0">
+                <a:latin typeface="Arial" panose="020B0604020202020204" pitchFamily="34" charset="0"/>
+                <a:cs typeface="Arial" panose="020B0604020202020204" pitchFamily="34" charset="0"/>
+              </a:rPr>
+              <a:t>contaminants</a:t>
+            </a:r>
+          </a:p>
+        </p:txBody>
+      </p:sp>
+      <p:sp>
+        <p:nvSpPr>
+          <p:cNvPr id="11" name="TextBox 10">
+            <a:extLst>
+              <a:ext uri="{FF2B5EF4-FFF2-40B4-BE49-F238E27FC236}">
+                <a16:creationId xmlns:a16="http://schemas.microsoft.com/office/drawing/2014/main" id="{DBDEA89A-DF04-0745-A154-4E18A35108B4}"/>
+              </a:ext>
+            </a:extLst>
+          </p:cNvPr>
+          <p:cNvSpPr txBox="1"/>
+          <p:nvPr/>
+        </p:nvSpPr>
+        <p:spPr>
+          <a:xfrm>
+            <a:off x="1113429" y="4359832"/>
+            <a:ext cx="2249607" cy="461665"/>
+          </a:xfrm>
+          <a:prstGeom prst="rect">
+            <a:avLst/>
+          </a:prstGeom>
+          <a:noFill/>
+        </p:spPr>
+        <p:txBody>
+          <a:bodyPr wrap="square" rtlCol="0">
+            <a:spAutoFit/>
+          </a:bodyPr>
+          <a:lstStyle/>
+          <a:p>
+            <a:pPr marL="342900" indent="-342900">
+              <a:buFont typeface="Arial" panose="020B0604020202020204" pitchFamily="34" charset="0"/>
+              <a:buChar char="•"/>
+            </a:pPr>
+            <a:r>
+              <a:rPr lang="en-US" sz="2400" dirty="0">
+                <a:latin typeface="Arial" panose="020B0604020202020204" pitchFamily="34" charset="0"/>
+                <a:cs typeface="Arial" panose="020B0604020202020204" pitchFamily="34" charset="0"/>
+              </a:rPr>
+              <a:t>Peculiarities</a:t>
+            </a:r>
+          </a:p>
+        </p:txBody>
+      </p:sp>
+    </p:spTree>
+    <p:extLst>
+      <p:ext uri="{BB962C8B-B14F-4D97-AF65-F5344CB8AC3E}">
+        <p14:creationId xmlns:p14="http://schemas.microsoft.com/office/powerpoint/2010/main" val="596175268"/>
+      </p:ext>
+    </p:extLst>
+  </p:cSld>
+  <p:clrMapOvr>
+    <a:masterClrMapping/>
+  </p:clrMapOvr>
+</p:sld>
+</file>
+
+<file path=ppt/slides/slide19.xml><?xml version="1.0" encoding="utf-8"?>
+<p:sld xmlns:a="http://schemas.openxmlformats.org/drawingml/2006/main" xmlns:r="http://schemas.openxmlformats.org/officeDocument/2006/relationships" xmlns:p="http://schemas.openxmlformats.org/presentationml/2006/main">
+  <p:cSld>
+    <p:spTree>
+      <p:nvGrpSpPr>
+        <p:cNvPr id="1" name=""/>
+        <p:cNvGrpSpPr/>
+        <p:nvPr/>
+      </p:nvGrpSpPr>
+      <p:grpSpPr>
+        <a:xfrm>
+          <a:off x="0" y="0"/>
+          <a:ext cx="0" cy="0"/>
+          <a:chOff x="0" y="0"/>
+          <a:chExt cx="0" cy="0"/>
+        </a:xfrm>
+      </p:grpSpPr>
+      <p:sp>
+        <p:nvSpPr>
+          <p:cNvPr id="2" name="TextBox 1">
+            <a:extLst>
+              <a:ext uri="{FF2B5EF4-FFF2-40B4-BE49-F238E27FC236}">
+                <a16:creationId xmlns:a16="http://schemas.microsoft.com/office/drawing/2014/main" id="{5840F389-394A-5841-A90B-A3163C3A3F43}"/>
+              </a:ext>
+            </a:extLst>
+          </p:cNvPr>
+          <p:cNvSpPr txBox="1"/>
+          <p:nvPr/>
+        </p:nvSpPr>
+        <p:spPr>
+          <a:xfrm>
+            <a:off x="300251" y="327546"/>
+            <a:ext cx="8529850" cy="584775"/>
+          </a:xfrm>
+          <a:prstGeom prst="rect">
+            <a:avLst/>
+          </a:prstGeom>
+          <a:noFill/>
+        </p:spPr>
+        <p:txBody>
+          <a:bodyPr wrap="square" rtlCol="0">
+            <a:spAutoFit/>
+          </a:bodyPr>
+          <a:lstStyle/>
+          <a:p>
+            <a:r>
+              <a:rPr lang="en-US" sz="3200" b="1" dirty="0">
+                <a:latin typeface="Arial" panose="020B0604020202020204" pitchFamily="34" charset="0"/>
+                <a:cs typeface="Arial" panose="020B0604020202020204" pitchFamily="34" charset="0"/>
+              </a:rPr>
               <a:t>Clustering</a:t>
             </a:r>
           </a:p>
@@ -8504,45 +9163,6 @@
                 <a:cs typeface="Arial" panose="020B0604020202020204" pitchFamily="34" charset="0"/>
               </a:rPr>
               <a:t>Clusters below a certain size can be treated as anomalies</a:t>
-            </a:r>
-          </a:p>
-        </p:txBody>
-      </p:sp>
-      <p:sp>
-        <p:nvSpPr>
-          <p:cNvPr id="3" name="Rectangle 2">
-            <a:extLst>
-              <a:ext uri="{FF2B5EF4-FFF2-40B4-BE49-F238E27FC236}">
-                <a16:creationId xmlns:a16="http://schemas.microsoft.com/office/drawing/2014/main" id="{2B5729CA-42A2-8042-9D43-851E7C6FFDC6}"/>
-              </a:ext>
-            </a:extLst>
-          </p:cNvPr>
-          <p:cNvSpPr/>
-          <p:nvPr/>
-        </p:nvSpPr>
-        <p:spPr>
-          <a:xfrm>
-            <a:off x="3873539" y="3244334"/>
-            <a:ext cx="1396921" cy="369332"/>
-          </a:xfrm>
-          <a:prstGeom prst="rect">
-            <a:avLst/>
-          </a:prstGeom>
-        </p:spPr>
-        <p:txBody>
-          <a:bodyPr wrap="none">
-            <a:spAutoFit/>
-          </a:bodyPr>
-          <a:lstStyle/>
-          <a:p>
-            <a:pPr algn="ctr"/>
-            <a:r>
-              <a:rPr lang="en-US" b="1" dirty="0">
-                <a:solidFill>
-                  <a:srgbClr val="00B050"/>
-                </a:solidFill>
-              </a:rPr>
-              <a:t>No problem!</a:t>
             </a:r>
           </a:p>
         </p:txBody>
@@ -8560,7 +9180,226 @@
 </p:sld>
 </file>
 
-<file path=ppt/slides/slide19.xml><?xml version="1.0" encoding="utf-8"?>
+<file path=ppt/slides/slide2.xml><?xml version="1.0" encoding="utf-8"?>
+<p:sld xmlns:a="http://schemas.openxmlformats.org/drawingml/2006/main" xmlns:r="http://schemas.openxmlformats.org/officeDocument/2006/relationships" xmlns:p="http://schemas.openxmlformats.org/presentationml/2006/main">
+  <p:cSld>
+    <p:spTree>
+      <p:nvGrpSpPr>
+        <p:cNvPr id="1" name=""/>
+        <p:cNvGrpSpPr/>
+        <p:nvPr/>
+      </p:nvGrpSpPr>
+      <p:grpSpPr>
+        <a:xfrm>
+          <a:off x="0" y="0"/>
+          <a:ext cx="0" cy="0"/>
+          <a:chOff x="0" y="0"/>
+          <a:chExt cx="0" cy="0"/>
+        </a:xfrm>
+      </p:grpSpPr>
+      <p:sp>
+        <p:nvSpPr>
+          <p:cNvPr id="2" name="TextBox 1">
+            <a:extLst>
+              <a:ext uri="{FF2B5EF4-FFF2-40B4-BE49-F238E27FC236}">
+                <a16:creationId xmlns:a16="http://schemas.microsoft.com/office/drawing/2014/main" id="{5840F389-394A-5841-A90B-A3163C3A3F43}"/>
+              </a:ext>
+            </a:extLst>
+          </p:cNvPr>
+          <p:cNvSpPr txBox="1"/>
+          <p:nvPr/>
+        </p:nvSpPr>
+        <p:spPr>
+          <a:xfrm>
+            <a:off x="300251" y="327546"/>
+            <a:ext cx="8529850" cy="584775"/>
+          </a:xfrm>
+          <a:prstGeom prst="rect">
+            <a:avLst/>
+          </a:prstGeom>
+          <a:noFill/>
+        </p:spPr>
+        <p:txBody>
+          <a:bodyPr wrap="square" rtlCol="0">
+            <a:spAutoFit/>
+          </a:bodyPr>
+          <a:lstStyle/>
+          <a:p>
+            <a:r>
+              <a:rPr lang="en-US" sz="3200" b="1" dirty="0">
+                <a:latin typeface="Arial" panose="020B0604020202020204" pitchFamily="34" charset="0"/>
+                <a:cs typeface="Arial" panose="020B0604020202020204" pitchFamily="34" charset="0"/>
+              </a:rPr>
+              <a:t>Agenda</a:t>
+            </a:r>
+          </a:p>
+        </p:txBody>
+      </p:sp>
+      <p:sp>
+        <p:nvSpPr>
+          <p:cNvPr id="5" name="TextBox 4">
+            <a:extLst>
+              <a:ext uri="{FF2B5EF4-FFF2-40B4-BE49-F238E27FC236}">
+                <a16:creationId xmlns:a16="http://schemas.microsoft.com/office/drawing/2014/main" id="{D88C6ABB-FA24-384D-BB9B-FAABA787CA39}"/>
+              </a:ext>
+            </a:extLst>
+          </p:cNvPr>
+          <p:cNvSpPr txBox="1"/>
+          <p:nvPr/>
+        </p:nvSpPr>
+        <p:spPr>
+          <a:xfrm>
+            <a:off x="300251" y="1039504"/>
+            <a:ext cx="8529850" cy="4339650"/>
+          </a:xfrm>
+          <a:prstGeom prst="rect">
+            <a:avLst/>
+          </a:prstGeom>
+          <a:noFill/>
+        </p:spPr>
+        <p:txBody>
+          <a:bodyPr wrap="square" rtlCol="0">
+            <a:spAutoFit/>
+          </a:bodyPr>
+          <a:lstStyle/>
+          <a:p>
+            <a:pPr marL="342900" indent="-342900">
+              <a:lnSpc>
+                <a:spcPct val="150000"/>
+              </a:lnSpc>
+              <a:buFont typeface="Arial" panose="020B0604020202020204" pitchFamily="34" charset="0"/>
+              <a:buChar char="•"/>
+            </a:pPr>
+            <a:r>
+              <a:rPr lang="en-US" sz="2400" dirty="0">
+                <a:latin typeface="Arial" panose="020B0604020202020204" pitchFamily="34" charset="0"/>
+                <a:cs typeface="Arial" panose="020B0604020202020204" pitchFamily="34" charset="0"/>
+              </a:rPr>
+              <a:t>Introduction</a:t>
+            </a:r>
+          </a:p>
+          <a:p>
+            <a:pPr marL="342900" indent="-342900">
+              <a:lnSpc>
+                <a:spcPct val="150000"/>
+              </a:lnSpc>
+              <a:buFont typeface="Arial" panose="020B0604020202020204" pitchFamily="34" charset="0"/>
+              <a:buChar char="•"/>
+            </a:pPr>
+            <a:r>
+              <a:rPr lang="en-US" sz="2400" dirty="0">
+                <a:latin typeface="Arial" panose="020B0604020202020204" pitchFamily="34" charset="0"/>
+                <a:cs typeface="Arial" panose="020B0604020202020204" pitchFamily="34" charset="0"/>
+              </a:rPr>
+              <a:t>Examples</a:t>
+            </a:r>
+          </a:p>
+          <a:p>
+            <a:pPr marL="342900" indent="-342900">
+              <a:lnSpc>
+                <a:spcPct val="150000"/>
+              </a:lnSpc>
+              <a:buFont typeface="Arial" panose="020B0604020202020204" pitchFamily="34" charset="0"/>
+              <a:buChar char="•"/>
+            </a:pPr>
+            <a:r>
+              <a:rPr lang="en-US" sz="2400" dirty="0">
+                <a:latin typeface="Arial" panose="020B0604020202020204" pitchFamily="34" charset="0"/>
+                <a:cs typeface="Arial" panose="020B0604020202020204" pitchFamily="34" charset="0"/>
+              </a:rPr>
+              <a:t>Challenges</a:t>
+            </a:r>
+          </a:p>
+          <a:p>
+            <a:pPr marL="342900" indent="-342900">
+              <a:lnSpc>
+                <a:spcPct val="150000"/>
+              </a:lnSpc>
+              <a:buFont typeface="Arial" panose="020B0604020202020204" pitchFamily="34" charset="0"/>
+              <a:buChar char="•"/>
+            </a:pPr>
+            <a:r>
+              <a:rPr lang="en-US" sz="2400" dirty="0">
+                <a:latin typeface="Arial" panose="020B0604020202020204" pitchFamily="34" charset="0"/>
+                <a:cs typeface="Arial" panose="020B0604020202020204" pitchFamily="34" charset="0"/>
+              </a:rPr>
+              <a:t>Anomaly types</a:t>
+            </a:r>
+          </a:p>
+          <a:p>
+            <a:pPr marL="342900" indent="-342900">
+              <a:lnSpc>
+                <a:spcPct val="150000"/>
+              </a:lnSpc>
+              <a:buFont typeface="Arial" panose="020B0604020202020204" pitchFamily="34" charset="0"/>
+              <a:buChar char="•"/>
+            </a:pPr>
+            <a:r>
+              <a:rPr lang="en-US" sz="2400" dirty="0">
+                <a:latin typeface="Arial" panose="020B0604020202020204" pitchFamily="34" charset="0"/>
+                <a:cs typeface="Arial" panose="020B0604020202020204" pitchFamily="34" charset="0"/>
+              </a:rPr>
+              <a:t>Detection methods</a:t>
+            </a:r>
+          </a:p>
+          <a:p>
+            <a:pPr marL="342900" indent="-342900">
+              <a:lnSpc>
+                <a:spcPct val="150000"/>
+              </a:lnSpc>
+              <a:buFont typeface="Arial" panose="020B0604020202020204" pitchFamily="34" charset="0"/>
+              <a:buChar char="•"/>
+            </a:pPr>
+            <a:r>
+              <a:rPr lang="en-US" sz="2400" dirty="0">
+                <a:latin typeface="Arial" panose="020B0604020202020204" pitchFamily="34" charset="0"/>
+                <a:cs typeface="Arial" panose="020B0604020202020204" pitchFamily="34" charset="0"/>
+              </a:rPr>
+              <a:t>Metrics</a:t>
+            </a:r>
+          </a:p>
+          <a:p>
+            <a:pPr marL="342900" indent="-342900">
+              <a:lnSpc>
+                <a:spcPct val="150000"/>
+              </a:lnSpc>
+              <a:buFont typeface="Arial" panose="020B0604020202020204" pitchFamily="34" charset="0"/>
+              <a:buChar char="•"/>
+            </a:pPr>
+            <a:r>
+              <a:rPr lang="en-US" sz="2400" dirty="0">
+                <a:latin typeface="Arial" panose="020B0604020202020204" pitchFamily="34" charset="0"/>
+                <a:cs typeface="Arial" panose="020B0604020202020204" pitchFamily="34" charset="0"/>
+              </a:rPr>
+              <a:t>Further reading</a:t>
+            </a:r>
+          </a:p>
+          <a:p>
+            <a:pPr marL="342900" indent="-342900">
+              <a:buFont typeface="Arial" panose="020B0604020202020204" pitchFamily="34" charset="0"/>
+              <a:buChar char="•"/>
+            </a:pPr>
+            <a:endParaRPr lang="en-US" sz="2400" dirty="0">
+              <a:latin typeface="Arial" panose="020B0604020202020204" pitchFamily="34" charset="0"/>
+              <a:cs typeface="Arial" panose="020B0604020202020204" pitchFamily="34" charset="0"/>
+            </a:endParaRPr>
+          </a:p>
+        </p:txBody>
+      </p:sp>
+    </p:spTree>
+    <p:extLst>
+      <p:ext uri="{BB962C8B-B14F-4D97-AF65-F5344CB8AC3E}">
+        <p14:creationId xmlns:p14="http://schemas.microsoft.com/office/powerpoint/2010/main" val="718590303"/>
+      </p:ext>
+    </p:extLst>
+  </p:cSld>
+  <p:clrMapOvr>
+    <a:masterClrMapping/>
+  </p:clrMapOvr>
+</p:sld>
+</file>
+
+<file path=ppt/slides/slide20.xml><?xml version="1.0" encoding="utf-8"?>
 <p:sld xmlns:a="http://schemas.openxmlformats.org/drawingml/2006/main" xmlns:r="http://schemas.openxmlformats.org/officeDocument/2006/relationships" xmlns:p="http://schemas.openxmlformats.org/presentationml/2006/main">
   <p:cSld>
     <p:spTree>
@@ -9315,225 +10154,6 @@
 </p:sld>
 </file>
 
-<file path=ppt/slides/slide2.xml><?xml version="1.0" encoding="utf-8"?>
-<p:sld xmlns:a="http://schemas.openxmlformats.org/drawingml/2006/main" xmlns:r="http://schemas.openxmlformats.org/officeDocument/2006/relationships" xmlns:p="http://schemas.openxmlformats.org/presentationml/2006/main">
-  <p:cSld>
-    <p:spTree>
-      <p:nvGrpSpPr>
-        <p:cNvPr id="1" name=""/>
-        <p:cNvGrpSpPr/>
-        <p:nvPr/>
-      </p:nvGrpSpPr>
-      <p:grpSpPr>
-        <a:xfrm>
-          <a:off x="0" y="0"/>
-          <a:ext cx="0" cy="0"/>
-          <a:chOff x="0" y="0"/>
-          <a:chExt cx="0" cy="0"/>
-        </a:xfrm>
-      </p:grpSpPr>
-      <p:sp>
-        <p:nvSpPr>
-          <p:cNvPr id="2" name="TextBox 1">
-            <a:extLst>
-              <a:ext uri="{FF2B5EF4-FFF2-40B4-BE49-F238E27FC236}">
-                <a16:creationId xmlns:a16="http://schemas.microsoft.com/office/drawing/2014/main" id="{5840F389-394A-5841-A90B-A3163C3A3F43}"/>
-              </a:ext>
-            </a:extLst>
-          </p:cNvPr>
-          <p:cNvSpPr txBox="1"/>
-          <p:nvPr/>
-        </p:nvSpPr>
-        <p:spPr>
-          <a:xfrm>
-            <a:off x="300251" y="327546"/>
-            <a:ext cx="8529850" cy="584775"/>
-          </a:xfrm>
-          <a:prstGeom prst="rect">
-            <a:avLst/>
-          </a:prstGeom>
-          <a:noFill/>
-        </p:spPr>
-        <p:txBody>
-          <a:bodyPr wrap="square" rtlCol="0">
-            <a:spAutoFit/>
-          </a:bodyPr>
-          <a:lstStyle/>
-          <a:p>
-            <a:r>
-              <a:rPr lang="en-US" sz="3200" b="1" dirty="0">
-                <a:latin typeface="Arial" panose="020B0604020202020204" pitchFamily="34" charset="0"/>
-                <a:cs typeface="Arial" panose="020B0604020202020204" pitchFamily="34" charset="0"/>
-              </a:rPr>
-              <a:t>Agenda</a:t>
-            </a:r>
-          </a:p>
-        </p:txBody>
-      </p:sp>
-      <p:sp>
-        <p:nvSpPr>
-          <p:cNvPr id="5" name="TextBox 4">
-            <a:extLst>
-              <a:ext uri="{FF2B5EF4-FFF2-40B4-BE49-F238E27FC236}">
-                <a16:creationId xmlns:a16="http://schemas.microsoft.com/office/drawing/2014/main" id="{D88C6ABB-FA24-384D-BB9B-FAABA787CA39}"/>
-              </a:ext>
-            </a:extLst>
-          </p:cNvPr>
-          <p:cNvSpPr txBox="1"/>
-          <p:nvPr/>
-        </p:nvSpPr>
-        <p:spPr>
-          <a:xfrm>
-            <a:off x="300251" y="1039504"/>
-            <a:ext cx="8529850" cy="4339650"/>
-          </a:xfrm>
-          <a:prstGeom prst="rect">
-            <a:avLst/>
-          </a:prstGeom>
-          <a:noFill/>
-        </p:spPr>
-        <p:txBody>
-          <a:bodyPr wrap="square" rtlCol="0">
-            <a:spAutoFit/>
-          </a:bodyPr>
-          <a:lstStyle/>
-          <a:p>
-            <a:pPr marL="342900" indent="-342900">
-              <a:lnSpc>
-                <a:spcPct val="150000"/>
-              </a:lnSpc>
-              <a:buFont typeface="Arial" panose="020B0604020202020204" pitchFamily="34" charset="0"/>
-              <a:buChar char="•"/>
-            </a:pPr>
-            <a:r>
-              <a:rPr lang="en-US" sz="2400" dirty="0">
-                <a:latin typeface="Arial" panose="020B0604020202020204" pitchFamily="34" charset="0"/>
-                <a:cs typeface="Arial" panose="020B0604020202020204" pitchFamily="34" charset="0"/>
-              </a:rPr>
-              <a:t>Introduction</a:t>
-            </a:r>
-          </a:p>
-          <a:p>
-            <a:pPr marL="342900" indent="-342900">
-              <a:lnSpc>
-                <a:spcPct val="150000"/>
-              </a:lnSpc>
-              <a:buFont typeface="Arial" panose="020B0604020202020204" pitchFamily="34" charset="0"/>
-              <a:buChar char="•"/>
-            </a:pPr>
-            <a:r>
-              <a:rPr lang="en-US" sz="2400" dirty="0">
-                <a:latin typeface="Arial" panose="020B0604020202020204" pitchFamily="34" charset="0"/>
-                <a:cs typeface="Arial" panose="020B0604020202020204" pitchFamily="34" charset="0"/>
-              </a:rPr>
-              <a:t>Examples</a:t>
-            </a:r>
-          </a:p>
-          <a:p>
-            <a:pPr marL="342900" indent="-342900">
-              <a:lnSpc>
-                <a:spcPct val="150000"/>
-              </a:lnSpc>
-              <a:buFont typeface="Arial" panose="020B0604020202020204" pitchFamily="34" charset="0"/>
-              <a:buChar char="•"/>
-            </a:pPr>
-            <a:r>
-              <a:rPr lang="en-US" sz="2400" dirty="0">
-                <a:latin typeface="Arial" panose="020B0604020202020204" pitchFamily="34" charset="0"/>
-                <a:cs typeface="Arial" panose="020B0604020202020204" pitchFamily="34" charset="0"/>
-              </a:rPr>
-              <a:t>Challenges</a:t>
-            </a:r>
-          </a:p>
-          <a:p>
-            <a:pPr marL="342900" indent="-342900">
-              <a:lnSpc>
-                <a:spcPct val="150000"/>
-              </a:lnSpc>
-              <a:buFont typeface="Arial" panose="020B0604020202020204" pitchFamily="34" charset="0"/>
-              <a:buChar char="•"/>
-            </a:pPr>
-            <a:r>
-              <a:rPr lang="en-US" sz="2400" dirty="0">
-                <a:latin typeface="Arial" panose="020B0604020202020204" pitchFamily="34" charset="0"/>
-                <a:cs typeface="Arial" panose="020B0604020202020204" pitchFamily="34" charset="0"/>
-              </a:rPr>
-              <a:t>Anomaly types</a:t>
-            </a:r>
-          </a:p>
-          <a:p>
-            <a:pPr marL="342900" indent="-342900">
-              <a:lnSpc>
-                <a:spcPct val="150000"/>
-              </a:lnSpc>
-              <a:buFont typeface="Arial" panose="020B0604020202020204" pitchFamily="34" charset="0"/>
-              <a:buChar char="•"/>
-            </a:pPr>
-            <a:r>
-              <a:rPr lang="en-US" sz="2400" dirty="0">
-                <a:latin typeface="Arial" panose="020B0604020202020204" pitchFamily="34" charset="0"/>
-                <a:cs typeface="Arial" panose="020B0604020202020204" pitchFamily="34" charset="0"/>
-              </a:rPr>
-              <a:t>Detection methods</a:t>
-            </a:r>
-          </a:p>
-          <a:p>
-            <a:pPr marL="342900" indent="-342900">
-              <a:lnSpc>
-                <a:spcPct val="150000"/>
-              </a:lnSpc>
-              <a:buFont typeface="Arial" panose="020B0604020202020204" pitchFamily="34" charset="0"/>
-              <a:buChar char="•"/>
-            </a:pPr>
-            <a:r>
-              <a:rPr lang="en-US" sz="2400" dirty="0">
-                <a:latin typeface="Arial" panose="020B0604020202020204" pitchFamily="34" charset="0"/>
-                <a:cs typeface="Arial" panose="020B0604020202020204" pitchFamily="34" charset="0"/>
-              </a:rPr>
-              <a:t>Metrics</a:t>
-            </a:r>
-          </a:p>
-          <a:p>
-            <a:pPr marL="342900" indent="-342900">
-              <a:lnSpc>
-                <a:spcPct val="150000"/>
-              </a:lnSpc>
-              <a:buFont typeface="Arial" panose="020B0604020202020204" pitchFamily="34" charset="0"/>
-              <a:buChar char="•"/>
-            </a:pPr>
-            <a:r>
-              <a:rPr lang="en-US" sz="2400" dirty="0">
-                <a:latin typeface="Arial" panose="020B0604020202020204" pitchFamily="34" charset="0"/>
-                <a:cs typeface="Arial" panose="020B0604020202020204" pitchFamily="34" charset="0"/>
-              </a:rPr>
-              <a:t>Further reading</a:t>
-            </a:r>
-          </a:p>
-          <a:p>
-            <a:pPr marL="342900" indent="-342900">
-              <a:buFont typeface="Arial" panose="020B0604020202020204" pitchFamily="34" charset="0"/>
-              <a:buChar char="•"/>
-            </a:pPr>
-            <a:endParaRPr lang="en-US" sz="2400" dirty="0">
-              <a:latin typeface="Arial" panose="020B0604020202020204" pitchFamily="34" charset="0"/>
-              <a:cs typeface="Arial" panose="020B0604020202020204" pitchFamily="34" charset="0"/>
-            </a:endParaRPr>
-          </a:p>
-        </p:txBody>
-      </p:sp>
-    </p:spTree>
-    <p:extLst>
-      <p:ext uri="{BB962C8B-B14F-4D97-AF65-F5344CB8AC3E}">
-        <p14:creationId xmlns:p14="http://schemas.microsoft.com/office/powerpoint/2010/main" val="718590303"/>
-      </p:ext>
-    </p:extLst>
-  </p:cSld>
-  <p:clrMapOvr>
-    <a:masterClrMapping/>
-  </p:clrMapOvr>
-</p:sld>
-</file>
-
 <file path=ppt/slides/slide3.xml><?xml version="1.0" encoding="utf-8"?>
 <p:sld xmlns:a="http://schemas.openxmlformats.org/drawingml/2006/main" xmlns:r="http://schemas.openxmlformats.org/officeDocument/2006/relationships" xmlns:p="http://schemas.openxmlformats.org/presentationml/2006/main">
   <p:cSld>
